--- a/figures/07_aeronautic/00_NACA_a_gs_cell/bcs.pptx
+++ b/figures/07_aeronautic/00_NACA_a_gs_cell/bcs.pptx
@@ -254,7 +254,7 @@
           <a:p>
             <a:fld id="{74FAC379-5394-4340-94F2-2D3AB9CB3022}" type="datetimeFigureOut">
               <a:rPr lang="en-US" smtClean="0"/>
-              <a:t>2/9/2024</a:t>
+              <a:t>2/10/2024</a:t>
             </a:fld>
             <a:endParaRPr lang="en-US"/>
           </a:p>
@@ -424,7 +424,7 @@
           <a:p>
             <a:fld id="{74FAC379-5394-4340-94F2-2D3AB9CB3022}" type="datetimeFigureOut">
               <a:rPr lang="en-US" smtClean="0"/>
-              <a:t>2/9/2024</a:t>
+              <a:t>2/10/2024</a:t>
             </a:fld>
             <a:endParaRPr lang="en-US"/>
           </a:p>
@@ -604,7 +604,7 @@
           <a:p>
             <a:fld id="{74FAC379-5394-4340-94F2-2D3AB9CB3022}" type="datetimeFigureOut">
               <a:rPr lang="en-US" smtClean="0"/>
-              <a:t>2/9/2024</a:t>
+              <a:t>2/10/2024</a:t>
             </a:fld>
             <a:endParaRPr lang="en-US"/>
           </a:p>
@@ -774,7 +774,7 @@
           <a:p>
             <a:fld id="{74FAC379-5394-4340-94F2-2D3AB9CB3022}" type="datetimeFigureOut">
               <a:rPr lang="en-US" smtClean="0"/>
-              <a:t>2/9/2024</a:t>
+              <a:t>2/10/2024</a:t>
             </a:fld>
             <a:endParaRPr lang="en-US"/>
           </a:p>
@@ -1020,7 +1020,7 @@
           <a:p>
             <a:fld id="{74FAC379-5394-4340-94F2-2D3AB9CB3022}" type="datetimeFigureOut">
               <a:rPr lang="en-US" smtClean="0"/>
-              <a:t>2/9/2024</a:t>
+              <a:t>2/10/2024</a:t>
             </a:fld>
             <a:endParaRPr lang="en-US"/>
           </a:p>
@@ -1252,7 +1252,7 @@
           <a:p>
             <a:fld id="{74FAC379-5394-4340-94F2-2D3AB9CB3022}" type="datetimeFigureOut">
               <a:rPr lang="en-US" smtClean="0"/>
-              <a:t>2/9/2024</a:t>
+              <a:t>2/10/2024</a:t>
             </a:fld>
             <a:endParaRPr lang="en-US"/>
           </a:p>
@@ -1619,7 +1619,7 @@
           <a:p>
             <a:fld id="{74FAC379-5394-4340-94F2-2D3AB9CB3022}" type="datetimeFigureOut">
               <a:rPr lang="en-US" smtClean="0"/>
-              <a:t>2/9/2024</a:t>
+              <a:t>2/10/2024</a:t>
             </a:fld>
             <a:endParaRPr lang="en-US"/>
           </a:p>
@@ -1737,7 +1737,7 @@
           <a:p>
             <a:fld id="{74FAC379-5394-4340-94F2-2D3AB9CB3022}" type="datetimeFigureOut">
               <a:rPr lang="en-US" smtClean="0"/>
-              <a:t>2/9/2024</a:t>
+              <a:t>2/10/2024</a:t>
             </a:fld>
             <a:endParaRPr lang="en-US"/>
           </a:p>
@@ -1832,7 +1832,7 @@
           <a:p>
             <a:fld id="{74FAC379-5394-4340-94F2-2D3AB9CB3022}" type="datetimeFigureOut">
               <a:rPr lang="en-US" smtClean="0"/>
-              <a:t>2/9/2024</a:t>
+              <a:t>2/10/2024</a:t>
             </a:fld>
             <a:endParaRPr lang="en-US"/>
           </a:p>
@@ -2109,7 +2109,7 @@
           <a:p>
             <a:fld id="{74FAC379-5394-4340-94F2-2D3AB9CB3022}" type="datetimeFigureOut">
               <a:rPr lang="en-US" smtClean="0"/>
-              <a:t>2/9/2024</a:t>
+              <a:t>2/10/2024</a:t>
             </a:fld>
             <a:endParaRPr lang="en-US"/>
           </a:p>
@@ -2362,7 +2362,7 @@
           <a:p>
             <a:fld id="{74FAC379-5394-4340-94F2-2D3AB9CB3022}" type="datetimeFigureOut">
               <a:rPr lang="en-US" smtClean="0"/>
-              <a:t>2/9/2024</a:t>
+              <a:t>2/10/2024</a:t>
             </a:fld>
             <a:endParaRPr lang="en-US"/>
           </a:p>
@@ -2575,7 +2575,7 @@
           <a:p>
             <a:fld id="{74FAC379-5394-4340-94F2-2D3AB9CB3022}" type="datetimeFigureOut">
               <a:rPr lang="en-US" smtClean="0"/>
-              <a:t>2/9/2024</a:t>
+              <a:t>2/10/2024</a:t>
             </a:fld>
             <a:endParaRPr lang="en-US"/>
           </a:p>
@@ -2994,6 +2994,14 @@
           <a:prstGeom prst="rect">
             <a:avLst/>
           </a:prstGeom>
+          <a:solidFill>
+            <a:srgbClr val="5D7CE6"/>
+          </a:solidFill>
+          <a:ln>
+            <a:solidFill>
+              <a:srgbClr val="3A4CC0"/>
+            </a:solidFill>
+          </a:ln>
           <a:scene3d>
             <a:camera prst="orthographicFront">
               <a:rot lat="1800001" lon="19199983" rev="0"/>
